--- a/doc/REST og JSON.pptx
+++ b/doc/REST og JSON.pptx
@@ -15,9 +15,9 @@
     <p:sldId id="260" r:id="rId6"/>
     <p:sldId id="261" r:id="rId7"/>
     <p:sldId id="262" r:id="rId8"/>
-    <p:sldId id="263" r:id="rId9"/>
-    <p:sldId id="264" r:id="rId10"/>
-    <p:sldId id="265" r:id="rId11"/>
+    <p:sldId id="264" r:id="rId9"/>
+    <p:sldId id="265" r:id="rId10"/>
+    <p:sldId id="263" r:id="rId11"/>
     <p:sldId id="266" r:id="rId12"/>
     <p:sldId id="267" r:id="rId13"/>
     <p:sldId id="268" r:id="rId14"/>
@@ -125,6 +125,11 @@
       </a:defRPr>
     </a:lvl9pPr>
   </p:defaultTextStyle>
+  <p:extLst>
+    <p:ext uri="{EFAFB233-063F-42B5-8137-9DF3F51BA10A}">
+      <p15:sldGuideLst xmlns:p15="http://schemas.microsoft.com/office/powerpoint/2012/main"/>
+    </p:ext>
+  </p:extLst>
 </p:presentation>
 </file>
 
@@ -949,6 +954,248 @@
           <a:p>
             <a:fld id="{33158343-0BA4-48FF-9BD2-FA9C902FF0A1}" type="slidenum">
               <a:rPr lang="en-GB" smtClean="0"/>
+              <a:t>17</a:t>
+            </a:fld>
+            <a:endParaRPr lang="en-GB"/>
+          </a:p>
+        </p:txBody>
+      </p:sp>
+    </p:spTree>
+    <p:extLst>
+      <p:ext uri="{BB962C8B-B14F-4D97-AF65-F5344CB8AC3E}">
+        <p14:creationId xmlns:p14="http://schemas.microsoft.com/office/powerpoint/2010/main" val="1259012492"/>
+      </p:ext>
+    </p:extLst>
+  </p:cSld>
+  <p:clrMapOvr>
+    <a:masterClrMapping/>
+  </p:clrMapOvr>
+</p:notes>
+</file>
+
+<file path=ppt/notesSlides/notesSlide11.xml><?xml version="1.0" encoding="utf-8"?>
+<p:notes xmlns:a="http://schemas.openxmlformats.org/drawingml/2006/main" xmlns:r="http://schemas.openxmlformats.org/officeDocument/2006/relationships" xmlns:p="http://schemas.openxmlformats.org/presentationml/2006/main">
+  <p:cSld>
+    <p:spTree>
+      <p:nvGrpSpPr>
+        <p:cNvPr id="1" name=""/>
+        <p:cNvGrpSpPr/>
+        <p:nvPr/>
+      </p:nvGrpSpPr>
+      <p:grpSpPr>
+        <a:xfrm>
+          <a:off x="0" y="0"/>
+          <a:ext cx="0" cy="0"/>
+          <a:chOff x="0" y="0"/>
+          <a:chExt cx="0" cy="0"/>
+        </a:xfrm>
+      </p:grpSpPr>
+      <p:sp>
+        <p:nvSpPr>
+          <p:cNvPr id="2" name="Slide Image Placeholder 1"/>
+          <p:cNvSpPr>
+            <a:spLocks noGrp="1" noRot="1" noChangeAspect="1"/>
+          </p:cNvSpPr>
+          <p:nvPr>
+            <p:ph type="sldImg"/>
+          </p:nvPr>
+        </p:nvSpPr>
+        <p:spPr/>
+      </p:sp>
+      <p:sp>
+        <p:nvSpPr>
+          <p:cNvPr id="3" name="Notes Placeholder 2"/>
+          <p:cNvSpPr>
+            <a:spLocks noGrp="1"/>
+          </p:cNvSpPr>
+          <p:nvPr>
+            <p:ph type="body" idx="1"/>
+          </p:nvPr>
+        </p:nvSpPr>
+        <p:spPr/>
+        <p:txBody>
+          <a:bodyPr/>
+          <a:lstStyle/>
+          <a:p>
+            <a:r>
+              <a:rPr lang="en-GB" sz="1200" b="0" i="0" kern="1200" dirty="0" smtClean="0">
+                <a:solidFill>
+                  <a:schemeClr val="tx1"/>
+                </a:solidFill>
+                <a:effectLst/>
+                <a:latin typeface="+mn-lt"/>
+                <a:ea typeface="+mn-ea"/>
+                <a:cs typeface="+mn-cs"/>
+              </a:rPr>
+              <a:t>Note how the URL's "method" part is not called "</a:t>
+            </a:r>
+            <a:r>
+              <a:rPr lang="en-GB" sz="1200" b="0" i="0" kern="1200" dirty="0" err="1" smtClean="0">
+                <a:solidFill>
+                  <a:schemeClr val="tx1"/>
+                </a:solidFill>
+                <a:effectLst/>
+                <a:latin typeface="+mn-lt"/>
+                <a:ea typeface="+mn-ea"/>
+                <a:cs typeface="+mn-cs"/>
+              </a:rPr>
+              <a:t>GetUserDetails</a:t>
+            </a:r>
+            <a:r>
+              <a:rPr lang="en-GB" sz="1200" b="0" i="0" kern="1200" dirty="0" smtClean="0">
+                <a:solidFill>
+                  <a:schemeClr val="tx1"/>
+                </a:solidFill>
+                <a:effectLst/>
+                <a:latin typeface="+mn-lt"/>
+                <a:ea typeface="+mn-ea"/>
+                <a:cs typeface="+mn-cs"/>
+              </a:rPr>
+              <a:t>", but simply "</a:t>
+            </a:r>
+            <a:r>
+              <a:rPr lang="en-GB" sz="1200" b="0" i="0" kern="1200" dirty="0" err="1" smtClean="0">
+                <a:solidFill>
+                  <a:schemeClr val="tx1"/>
+                </a:solidFill>
+                <a:effectLst/>
+                <a:latin typeface="+mn-lt"/>
+                <a:ea typeface="+mn-ea"/>
+                <a:cs typeface="+mn-cs"/>
+              </a:rPr>
+              <a:t>UserDetails</a:t>
+            </a:r>
+            <a:r>
+              <a:rPr lang="en-GB" sz="1200" b="0" i="0" kern="1200" dirty="0" smtClean="0">
+                <a:solidFill>
+                  <a:schemeClr val="tx1"/>
+                </a:solidFill>
+                <a:effectLst/>
+                <a:latin typeface="+mn-lt"/>
+                <a:ea typeface="+mn-ea"/>
+                <a:cs typeface="+mn-cs"/>
+              </a:rPr>
+              <a:t>". It is a common convention in REST design to use </a:t>
+            </a:r>
+            <a:r>
+              <a:rPr lang="en-GB" sz="1200" b="0" i="1" kern="1200" dirty="0" smtClean="0">
+                <a:solidFill>
+                  <a:schemeClr val="tx1"/>
+                </a:solidFill>
+                <a:effectLst/>
+                <a:latin typeface="+mn-lt"/>
+                <a:ea typeface="+mn-ea"/>
+                <a:cs typeface="+mn-cs"/>
+              </a:rPr>
+              <a:t>nouns</a:t>
+            </a:r>
+            <a:r>
+              <a:rPr lang="en-GB" sz="1200" b="0" i="0" kern="1200" dirty="0" smtClean="0">
+                <a:solidFill>
+                  <a:schemeClr val="tx1"/>
+                </a:solidFill>
+                <a:effectLst/>
+                <a:latin typeface="+mn-lt"/>
+                <a:ea typeface="+mn-ea"/>
+                <a:cs typeface="+mn-cs"/>
+              </a:rPr>
+              <a:t> rather than </a:t>
+            </a:r>
+            <a:r>
+              <a:rPr lang="en-GB" sz="1200" b="0" i="1" kern="1200" dirty="0" smtClean="0">
+                <a:solidFill>
+                  <a:schemeClr val="tx1"/>
+                </a:solidFill>
+                <a:effectLst/>
+                <a:latin typeface="+mn-lt"/>
+                <a:ea typeface="+mn-ea"/>
+                <a:cs typeface="+mn-cs"/>
+              </a:rPr>
+              <a:t>verbs</a:t>
+            </a:r>
+            <a:r>
+              <a:rPr lang="en-GB" sz="1200" b="0" i="0" kern="1200" dirty="0" smtClean="0">
+                <a:solidFill>
+                  <a:schemeClr val="tx1"/>
+                </a:solidFill>
+                <a:effectLst/>
+                <a:latin typeface="+mn-lt"/>
+                <a:ea typeface="+mn-ea"/>
+                <a:cs typeface="+mn-cs"/>
+              </a:rPr>
+              <a:t> to denote simple </a:t>
+            </a:r>
+            <a:r>
+              <a:rPr lang="en-GB" sz="1200" b="0" i="1" kern="1200" dirty="0" smtClean="0">
+                <a:solidFill>
+                  <a:schemeClr val="tx1"/>
+                </a:solidFill>
+                <a:effectLst/>
+                <a:latin typeface="+mn-lt"/>
+                <a:ea typeface="+mn-ea"/>
+                <a:cs typeface="+mn-cs"/>
+              </a:rPr>
+              <a:t>resources</a:t>
+            </a:r>
+            <a:r>
+              <a:rPr lang="en-GB" sz="1200" b="0" i="0" kern="1200" dirty="0" smtClean="0">
+                <a:solidFill>
+                  <a:schemeClr val="tx1"/>
+                </a:solidFill>
+                <a:effectLst/>
+                <a:latin typeface="+mn-lt"/>
+                <a:ea typeface="+mn-ea"/>
+                <a:cs typeface="+mn-cs"/>
+              </a:rPr>
+              <a:t>.</a:t>
+            </a:r>
+          </a:p>
+          <a:p>
+            <a:r>
+              <a:rPr lang="en-GB" sz="1200" b="0" i="0" kern="1200" dirty="0" smtClean="0">
+                <a:solidFill>
+                  <a:schemeClr val="tx1"/>
+                </a:solidFill>
+                <a:effectLst/>
+                <a:latin typeface="+mn-lt"/>
+                <a:ea typeface="+mn-ea"/>
+                <a:cs typeface="+mn-cs"/>
+              </a:rPr>
+              <a:t>Letter - postcard analogy.</a:t>
+            </a:r>
+            <a:r>
+              <a:rPr lang="en-GB" sz="1200" b="0" i="0" kern="1200" baseline="0" dirty="0" smtClean="0">
+                <a:solidFill>
+                  <a:schemeClr val="tx1"/>
+                </a:solidFill>
+                <a:effectLst/>
+                <a:latin typeface="+mn-lt"/>
+                <a:ea typeface="+mn-ea"/>
+                <a:cs typeface="+mn-cs"/>
+              </a:rPr>
+              <a:t> No, body. Less bandwidth, easier to read</a:t>
+            </a:r>
+            <a:endParaRPr lang="en-US" dirty="0"/>
+          </a:p>
+        </p:txBody>
+      </p:sp>
+      <p:sp>
+        <p:nvSpPr>
+          <p:cNvPr id="4" name="Slide Number Placeholder 3"/>
+          <p:cNvSpPr>
+            <a:spLocks noGrp="1"/>
+          </p:cNvSpPr>
+          <p:nvPr>
+            <p:ph type="sldNum" sz="quarter" idx="10"/>
+          </p:nvPr>
+        </p:nvSpPr>
+        <p:spPr/>
+        <p:txBody>
+          <a:bodyPr/>
+          <a:lstStyle/>
+          <a:p>
+            <a:fld id="{33158343-0BA4-48FF-9BD2-FA9C902FF0A1}" type="slidenum">
+              <a:rPr lang="en-GB" smtClean="0"/>
               <a:t>18</a:t>
             </a:fld>
             <a:endParaRPr lang="en-GB"/>
@@ -968,7 +1215,7 @@
 </p:notes>
 </file>
 
-<file path=ppt/notesSlides/notesSlide11.xml><?xml version="1.0" encoding="utf-8"?>
+<file path=ppt/notesSlides/notesSlide12.xml><?xml version="1.0" encoding="utf-8"?>
 <p:notes xmlns:a="http://schemas.openxmlformats.org/drawingml/2006/main" xmlns:r="http://schemas.openxmlformats.org/officeDocument/2006/relationships" xmlns:p="http://schemas.openxmlformats.org/presentationml/2006/main">
   <p:cSld>
     <p:spTree>
@@ -1254,49 +1501,23 @@
           <a:bodyPr/>
           <a:lstStyle/>
           <a:p>
-            <a:pPr marL="171450" indent="-171450">
-              <a:buFontTx/>
-              <a:buChar char="-"/>
-            </a:pPr>
-            <a:r>
-              <a:rPr lang="en-GB" dirty="0" smtClean="0"/>
-              <a:t>Expand example to include array</a:t>
-            </a:r>
-          </a:p>
-          <a:p>
-            <a:pPr marL="0" indent="0">
-              <a:buFontTx/>
-              <a:buNone/>
-            </a:pPr>
-            <a:r>
-              <a:rPr lang="en-GB" dirty="0" smtClean="0"/>
-              <a:t>- Show larger example (new5) </a:t>
-            </a:r>
-          </a:p>
-          <a:p>
-            <a:pPr marL="0" indent="0">
-              <a:buFontTx/>
-              <a:buNone/>
-            </a:pPr>
-            <a:r>
-              <a:rPr lang="en-GB" dirty="0" smtClean="0"/>
-              <a:t>- </a:t>
-            </a:r>
-            <a:r>
-              <a:rPr lang="en-GB" dirty="0" err="1" smtClean="0"/>
-              <a:t>Transactioin</a:t>
-            </a:r>
-            <a:r>
-              <a:rPr lang="en-GB" dirty="0" smtClean="0"/>
-              <a:t> in MIR project</a:t>
-            </a:r>
-          </a:p>
-          <a:p>
-            <a:pPr marL="171450" indent="-171450">
-              <a:buFontTx/>
-              <a:buChar char="-"/>
-            </a:pPr>
-            <a:endParaRPr lang="en-GB" dirty="0"/>
+            <a:r>
+              <a:rPr lang="en-US" dirty="0" smtClean="0"/>
+              <a:t>Show </a:t>
+            </a:r>
+            <a:r>
+              <a:rPr lang="en-US" dirty="0" err="1" smtClean="0"/>
+              <a:t>json</a:t>
+            </a:r>
+            <a:r>
+              <a:rPr lang="en-US" baseline="0" dirty="0" smtClean="0"/>
+              <a:t> file in </a:t>
+            </a:r>
+            <a:r>
+              <a:rPr lang="en-US" baseline="0" dirty="0" err="1" smtClean="0"/>
+              <a:t>InteliJ</a:t>
+            </a:r>
+            <a:endParaRPr lang="en-US" dirty="0"/>
           </a:p>
         </p:txBody>
       </p:sp>
@@ -1315,9 +1536,9 @@
           <a:bodyPr/>
           <a:lstStyle/>
           <a:p>
-            <a:fld id="{33158343-0BA4-48FF-9BD2-FA9C902FF0A1}" type="slidenum">
+            <a:fld id="{36FBF33E-AC50-4BCB-A07D-90DF591835AB}" type="slidenum">
               <a:rPr lang="en-GB" smtClean="0"/>
-              <a:t>5</a:t>
+              <a:t>4</a:t>
             </a:fld>
             <a:endParaRPr lang="en-GB"/>
           </a:p>
@@ -1326,7 +1547,7 @@
     </p:spTree>
     <p:extLst>
       <p:ext uri="{BB962C8B-B14F-4D97-AF65-F5344CB8AC3E}">
-        <p14:creationId xmlns:p14="http://schemas.microsoft.com/office/powerpoint/2010/main" val="3259657916"/>
+        <p14:creationId xmlns:p14="http://schemas.microsoft.com/office/powerpoint/2010/main" val="3537719656"/>
       </p:ext>
     </p:extLst>
   </p:cSld>
@@ -1380,19 +1601,49 @@
           <a:bodyPr/>
           <a:lstStyle/>
           <a:p>
-            <a:r>
-              <a:rPr lang="en-GB" sz="1200" b="0" i="0" kern="1200" dirty="0" smtClean="0">
-                <a:solidFill>
-                  <a:schemeClr val="tx1"/>
-                </a:solidFill>
-                <a:effectLst/>
-                <a:latin typeface="+mn-lt"/>
-                <a:ea typeface="+mn-ea"/>
-                <a:cs typeface="+mn-cs"/>
-              </a:rPr>
-              <a:t> - each request carries with it (transfers) all the information (state) that the server needs in order to complete it.</a:t>
-            </a:r>
-            <a:endParaRPr lang="en-US" dirty="0"/>
+            <a:pPr marL="171450" indent="-171450">
+              <a:buFontTx/>
+              <a:buChar char="-"/>
+            </a:pPr>
+            <a:r>
+              <a:rPr lang="en-GB" dirty="0" smtClean="0"/>
+              <a:t>Expand example to include array</a:t>
+            </a:r>
+          </a:p>
+          <a:p>
+            <a:pPr marL="0" indent="0">
+              <a:buFontTx/>
+              <a:buNone/>
+            </a:pPr>
+            <a:r>
+              <a:rPr lang="en-GB" dirty="0" smtClean="0"/>
+              <a:t>- Show larger example (new5) </a:t>
+            </a:r>
+          </a:p>
+          <a:p>
+            <a:pPr marL="0" indent="0">
+              <a:buFontTx/>
+              <a:buNone/>
+            </a:pPr>
+            <a:r>
+              <a:rPr lang="en-GB" dirty="0" smtClean="0"/>
+              <a:t>- </a:t>
+            </a:r>
+            <a:r>
+              <a:rPr lang="en-GB" dirty="0" err="1" smtClean="0"/>
+              <a:t>Transactioin</a:t>
+            </a:r>
+            <a:r>
+              <a:rPr lang="en-GB" dirty="0" smtClean="0"/>
+              <a:t> in MIR project</a:t>
+            </a:r>
+          </a:p>
+          <a:p>
+            <a:pPr marL="171450" indent="-171450">
+              <a:buFontTx/>
+              <a:buChar char="-"/>
+            </a:pPr>
+            <a:endParaRPr lang="en-GB" dirty="0"/>
           </a:p>
         </p:txBody>
       </p:sp>
@@ -1413,7 +1664,7 @@
           <a:p>
             <a:fld id="{33158343-0BA4-48FF-9BD2-FA9C902FF0A1}" type="slidenum">
               <a:rPr lang="en-GB" smtClean="0"/>
-              <a:t>6</a:t>
+              <a:t>5</a:t>
             </a:fld>
             <a:endParaRPr lang="en-GB"/>
           </a:p>
@@ -1422,7 +1673,7 @@
     </p:spTree>
     <p:extLst>
       <p:ext uri="{BB962C8B-B14F-4D97-AF65-F5344CB8AC3E}">
-        <p14:creationId xmlns:p14="http://schemas.microsoft.com/office/powerpoint/2010/main" val="1984402732"/>
+        <p14:creationId xmlns:p14="http://schemas.microsoft.com/office/powerpoint/2010/main" val="3259657916"/>
       </p:ext>
     </p:extLst>
   </p:cSld>
@@ -1476,149 +1727,6 @@
           <a:bodyPr/>
           <a:lstStyle/>
           <a:p>
-            <a:r>
-              <a:rPr lang="en-GB" sz="1200" b="0" i="0" kern="1200" dirty="0" err="1" smtClean="0">
-                <a:solidFill>
-                  <a:schemeClr val="tx1"/>
-                </a:solidFill>
-                <a:effectLst/>
-                <a:latin typeface="+mn-lt"/>
-                <a:ea typeface="+mn-ea"/>
-                <a:cs typeface="+mn-cs"/>
-              </a:rPr>
-              <a:t>Hetrogeneous</a:t>
-            </a:r>
-            <a:r>
-              <a:rPr lang="en-GB" sz="1200" b="0" i="0" kern="1200" dirty="0" smtClean="0">
-                <a:solidFill>
-                  <a:schemeClr val="tx1"/>
-                </a:solidFill>
-                <a:effectLst/>
-                <a:latin typeface="+mn-lt"/>
-                <a:ea typeface="+mn-ea"/>
-                <a:cs typeface="+mn-cs"/>
-              </a:rPr>
-              <a:t>: Independent of</a:t>
-            </a:r>
-            <a:r>
-              <a:rPr lang="en-GB" sz="1200" b="0" i="0" kern="1200" baseline="0" dirty="0" smtClean="0">
-                <a:solidFill>
-                  <a:schemeClr val="tx1"/>
-                </a:solidFill>
-                <a:effectLst/>
-                <a:latin typeface="+mn-lt"/>
-                <a:ea typeface="+mn-ea"/>
-                <a:cs typeface="+mn-cs"/>
-              </a:rPr>
-              <a:t> platform and programming language</a:t>
-            </a:r>
-          </a:p>
-          <a:p>
-            <a:pPr marL="0" marR="0" indent="0" algn="l" defTabSz="914400" rtl="0" eaLnBrk="1" fontAlgn="auto" latinLnBrk="0" hangingPunct="1">
-              <a:lnSpc>
-                <a:spcPct val="100000"/>
-              </a:lnSpc>
-              <a:spcBef>
-                <a:spcPts val="0"/>
-              </a:spcBef>
-              <a:spcAft>
-                <a:spcPts val="0"/>
-              </a:spcAft>
-              <a:buClrTx/>
-              <a:buSzTx/>
-              <a:buFontTx/>
-              <a:buNone/>
-              <a:tabLst/>
-              <a:defRPr/>
-            </a:pPr>
-            <a:r>
-              <a:rPr lang="en-GB" sz="1200" b="0" i="0" kern="1200" baseline="0" dirty="0" smtClean="0">
-                <a:solidFill>
-                  <a:schemeClr val="tx1"/>
-                </a:solidFill>
-                <a:effectLst/>
-                <a:latin typeface="+mn-lt"/>
-                <a:ea typeface="+mn-ea"/>
-                <a:cs typeface="+mn-cs"/>
-              </a:rPr>
-              <a:t>Stateless: </a:t>
-            </a:r>
-            <a:r>
-              <a:rPr lang="en-GB" sz="1200" b="0" i="0" kern="1200" dirty="0" smtClean="0">
-                <a:solidFill>
-                  <a:schemeClr val="tx1"/>
-                </a:solidFill>
-                <a:effectLst/>
-                <a:latin typeface="+mn-lt"/>
-                <a:ea typeface="+mn-ea"/>
-                <a:cs typeface="+mn-cs"/>
-              </a:rPr>
-              <a:t>each request carries with it (transfers) all the information (state) that the server needs in order to complete it.</a:t>
-            </a:r>
-            <a:endParaRPr lang="en-US" dirty="0" smtClean="0"/>
-          </a:p>
-          <a:p>
-            <a:endParaRPr lang="en-GB" sz="1200" b="0" i="0" kern="1200" dirty="0" smtClean="0">
-              <a:solidFill>
-                <a:schemeClr val="tx1"/>
-              </a:solidFill>
-              <a:effectLst/>
-              <a:latin typeface="+mn-lt"/>
-              <a:ea typeface="+mn-ea"/>
-              <a:cs typeface="+mn-cs"/>
-            </a:endParaRPr>
-          </a:p>
-          <a:p>
-            <a:r>
-              <a:rPr lang="en-GB" sz="1200" b="0" i="0" kern="1200" dirty="0" smtClean="0">
-                <a:solidFill>
-                  <a:schemeClr val="tx1"/>
-                </a:solidFill>
-                <a:effectLst/>
-                <a:latin typeface="+mn-lt"/>
-                <a:ea typeface="+mn-ea"/>
-                <a:cs typeface="+mn-cs"/>
-              </a:rPr>
-              <a:t>Cache: Resources should be </a:t>
-            </a:r>
-            <a:r>
-              <a:rPr lang="en-GB" sz="1200" b="1" i="0" kern="1200" dirty="0" err="1" smtClean="0">
-                <a:solidFill>
-                  <a:schemeClr val="tx1"/>
-                </a:solidFill>
-                <a:effectLst/>
-                <a:latin typeface="+mn-lt"/>
-                <a:ea typeface="+mn-ea"/>
-                <a:cs typeface="+mn-cs"/>
-              </a:rPr>
-              <a:t>cachable</a:t>
-            </a:r>
-            <a:r>
-              <a:rPr lang="en-GB" sz="1200" b="0" i="0" kern="1200" dirty="0" smtClean="0">
-                <a:solidFill>
-                  <a:schemeClr val="tx1"/>
-                </a:solidFill>
-                <a:effectLst/>
-                <a:latin typeface="+mn-lt"/>
-                <a:ea typeface="+mn-ea"/>
-                <a:cs typeface="+mn-cs"/>
-              </a:rPr>
-              <a:t> whenever possible (with an expiration date/time). The protocol must allow the server to explicitly specify which resources may be cached, and for how long.</a:t>
-            </a:r>
-          </a:p>
-          <a:p>
-            <a:r>
-              <a:rPr lang="en-GB" sz="1200" b="0" i="0" kern="1200" dirty="0" smtClean="0">
-                <a:solidFill>
-                  <a:schemeClr val="tx1"/>
-                </a:solidFill>
-                <a:effectLst/>
-                <a:latin typeface="+mn-lt"/>
-                <a:ea typeface="+mn-ea"/>
-                <a:cs typeface="+mn-cs"/>
-              </a:rPr>
-              <a:t> HTTP cache-control headers are used for this purpose.</a:t>
-            </a:r>
             <a:endParaRPr lang="en-US" dirty="0"/>
           </a:p>
         </p:txBody>
@@ -1640,7 +1748,7 @@
           <a:p>
             <a:fld id="{33158343-0BA4-48FF-9BD2-FA9C902FF0A1}" type="slidenum">
               <a:rPr lang="en-GB" smtClean="0"/>
-              <a:t>7</a:t>
+              <a:t>6</a:t>
             </a:fld>
             <a:endParaRPr lang="en-GB"/>
           </a:p>
@@ -1649,7 +1757,7 @@
     </p:spTree>
     <p:extLst>
       <p:ext uri="{BB962C8B-B14F-4D97-AF65-F5344CB8AC3E}">
-        <p14:creationId xmlns:p14="http://schemas.microsoft.com/office/powerpoint/2010/main" val="2581460836"/>
+        <p14:creationId xmlns:p14="http://schemas.microsoft.com/office/powerpoint/2010/main" val="1984402732"/>
       </p:ext>
     </p:extLst>
   </p:cSld>
@@ -1704,60 +1812,180 @@
           <a:lstStyle/>
           <a:p>
             <a:r>
-              <a:rPr lang="en-US" dirty="0" smtClean="0"/>
-              <a:t>SOAP is tied</a:t>
-            </a:r>
-            <a:r>
-              <a:rPr lang="en-US" baseline="0" dirty="0" smtClean="0"/>
-              <a:t> to XML</a:t>
-            </a:r>
-          </a:p>
-          <a:p>
-            <a:r>
-              <a:rPr lang="en-US" baseline="0" dirty="0" smtClean="0"/>
-              <a:t>XML type </a:t>
-            </a:r>
-            <a:r>
-              <a:rPr lang="en-US" baseline="0" dirty="0" err="1" smtClean="0"/>
-              <a:t>safty</a:t>
-            </a:r>
-            <a:endParaRPr lang="en-US" baseline="0" dirty="0" smtClean="0"/>
-          </a:p>
-          <a:p>
-            <a:r>
-              <a:rPr lang="en-US" baseline="0" dirty="0" smtClean="0"/>
-              <a:t>CSV is compact</a:t>
-            </a:r>
-          </a:p>
-          <a:p>
-            <a:r>
-              <a:rPr lang="en-US" baseline="0" dirty="0" smtClean="0"/>
-              <a:t>JSON most trivial to parse (directly supported as a </a:t>
-            </a:r>
-            <a:r>
-              <a:rPr lang="en-US" baseline="0" dirty="0" err="1" smtClean="0"/>
-              <a:t>javascript</a:t>
-            </a:r>
-            <a:r>
-              <a:rPr lang="en-US" baseline="0" dirty="0" smtClean="0"/>
-              <a:t> </a:t>
-            </a:r>
-            <a:r>
-              <a:rPr lang="en-US" baseline="0" dirty="0" err="1" smtClean="0"/>
-              <a:t>datastructure</a:t>
-            </a:r>
-            <a:r>
-              <a:rPr lang="en-US" baseline="0" dirty="0" smtClean="0"/>
-              <a:t>)</a:t>
-            </a:r>
-          </a:p>
-          <a:p>
-            <a:r>
-              <a:rPr lang="en-US" baseline="0" dirty="0" smtClean="0"/>
-              <a:t>The transfer should not contain presentation data</a:t>
-            </a:r>
-          </a:p>
-          <a:p>
+              <a:rPr lang="en-GB" sz="1200" b="0" i="0" kern="1200" dirty="0" err="1" smtClean="0">
+                <a:solidFill>
+                  <a:schemeClr val="tx1"/>
+                </a:solidFill>
+                <a:effectLst/>
+                <a:latin typeface="+mn-lt"/>
+                <a:ea typeface="+mn-ea"/>
+                <a:cs typeface="+mn-cs"/>
+              </a:rPr>
+              <a:t>Hetrogeneous</a:t>
+            </a:r>
+            <a:r>
+              <a:rPr lang="en-GB" sz="1200" b="0" i="0" kern="1200" dirty="0" smtClean="0">
+                <a:solidFill>
+                  <a:schemeClr val="tx1"/>
+                </a:solidFill>
+                <a:effectLst/>
+                <a:latin typeface="+mn-lt"/>
+                <a:ea typeface="+mn-ea"/>
+                <a:cs typeface="+mn-cs"/>
+              </a:rPr>
+              <a:t>: Independent of</a:t>
+            </a:r>
+            <a:r>
+              <a:rPr lang="en-GB" sz="1200" b="0" i="0" kern="1200" baseline="0" dirty="0" smtClean="0">
+                <a:solidFill>
+                  <a:schemeClr val="tx1"/>
+                </a:solidFill>
+                <a:effectLst/>
+                <a:latin typeface="+mn-lt"/>
+                <a:ea typeface="+mn-ea"/>
+                <a:cs typeface="+mn-cs"/>
+              </a:rPr>
+              <a:t> platform and programming language</a:t>
+            </a:r>
+          </a:p>
+          <a:p>
+            <a:pPr marL="0" marR="0" indent="0" algn="l" defTabSz="914400" rtl="0" eaLnBrk="1" fontAlgn="auto" latinLnBrk="0" hangingPunct="1">
+              <a:lnSpc>
+                <a:spcPct val="100000"/>
+              </a:lnSpc>
+              <a:spcBef>
+                <a:spcPts val="0"/>
+              </a:spcBef>
+              <a:spcAft>
+                <a:spcPts val="0"/>
+              </a:spcAft>
+              <a:buClrTx/>
+              <a:buSzTx/>
+              <a:buFontTx/>
+              <a:buNone/>
+              <a:tabLst/>
+              <a:defRPr/>
+            </a:pPr>
+            <a:r>
+              <a:rPr lang="en-GB" sz="1200" b="0" i="0" kern="1200" baseline="0" dirty="0" smtClean="0">
+                <a:solidFill>
+                  <a:schemeClr val="tx1"/>
+                </a:solidFill>
+                <a:effectLst/>
+                <a:latin typeface="+mn-lt"/>
+                <a:ea typeface="+mn-ea"/>
+                <a:cs typeface="+mn-cs"/>
+              </a:rPr>
+              <a:t>Stateless: </a:t>
+            </a:r>
+            <a:r>
+              <a:rPr lang="en-GB" sz="1200" b="0" i="0" kern="1200" dirty="0" smtClean="0">
+                <a:solidFill>
+                  <a:schemeClr val="tx1"/>
+                </a:solidFill>
+                <a:effectLst/>
+                <a:latin typeface="+mn-lt"/>
+                <a:ea typeface="+mn-ea"/>
+                <a:cs typeface="+mn-cs"/>
+              </a:rPr>
+              <a:t>each request carries with it (transfers) all the information (state) that the server needs in order to complete it.</a:t>
+            </a:r>
+            <a:endParaRPr lang="en-US" dirty="0" smtClean="0"/>
+          </a:p>
+          <a:p>
+            <a:pPr marL="0" marR="0" indent="0" algn="l" defTabSz="914400" rtl="0" eaLnBrk="1" fontAlgn="auto" latinLnBrk="0" hangingPunct="1">
+              <a:lnSpc>
+                <a:spcPct val="100000"/>
+              </a:lnSpc>
+              <a:spcBef>
+                <a:spcPts val="0"/>
+              </a:spcBef>
+              <a:spcAft>
+                <a:spcPts val="0"/>
+              </a:spcAft>
+              <a:buClrTx/>
+              <a:buSzTx/>
+              <a:buFontTx/>
+              <a:buNone/>
+              <a:tabLst/>
+              <a:defRPr/>
+            </a:pPr>
+            <a:r>
+              <a:rPr lang="en-GB" sz="1200" b="0" i="0" kern="1200" dirty="0" smtClean="0">
+                <a:solidFill>
+                  <a:schemeClr val="tx1"/>
+                </a:solidFill>
+                <a:effectLst/>
+                <a:latin typeface="+mn-lt"/>
+                <a:ea typeface="+mn-ea"/>
+                <a:cs typeface="+mn-cs"/>
+              </a:rPr>
+              <a:t> - each request carries with it (transfers) all the information (state) that the server needs in order to complete it.</a:t>
+            </a:r>
+            <a:endParaRPr lang="en-US" dirty="0" smtClean="0"/>
+          </a:p>
+          <a:p>
+            <a:endParaRPr lang="en-GB" sz="1200" b="0" i="0" kern="1200" dirty="0" smtClean="0">
+              <a:solidFill>
+                <a:schemeClr val="tx1"/>
+              </a:solidFill>
+              <a:effectLst/>
+              <a:latin typeface="+mn-lt"/>
+              <a:ea typeface="+mn-ea"/>
+              <a:cs typeface="+mn-cs"/>
+            </a:endParaRPr>
+          </a:p>
+          <a:p>
+            <a:r>
+              <a:rPr lang="en-GB" sz="1200" b="0" i="0" kern="1200" dirty="0" smtClean="0">
+                <a:solidFill>
+                  <a:schemeClr val="tx1"/>
+                </a:solidFill>
+                <a:effectLst/>
+                <a:latin typeface="+mn-lt"/>
+                <a:ea typeface="+mn-ea"/>
+                <a:cs typeface="+mn-cs"/>
+              </a:rPr>
+              <a:t>Cache: Resources should be </a:t>
+            </a:r>
+            <a:r>
+              <a:rPr lang="en-GB" sz="1200" b="1" i="0" kern="1200" dirty="0" err="1" smtClean="0">
+                <a:solidFill>
+                  <a:schemeClr val="tx1"/>
+                </a:solidFill>
+                <a:effectLst/>
+                <a:latin typeface="+mn-lt"/>
+                <a:ea typeface="+mn-ea"/>
+                <a:cs typeface="+mn-cs"/>
+              </a:rPr>
+              <a:t>cachable</a:t>
+            </a:r>
+            <a:r>
+              <a:rPr lang="en-GB" sz="1200" b="0" i="0" kern="1200" dirty="0" smtClean="0">
+                <a:solidFill>
+                  <a:schemeClr val="tx1"/>
+                </a:solidFill>
+                <a:effectLst/>
+                <a:latin typeface="+mn-lt"/>
+                <a:ea typeface="+mn-ea"/>
+                <a:cs typeface="+mn-cs"/>
+              </a:rPr>
+              <a:t> whenever possible (with an expiration date/time). The protocol must allow the server to explicitly specify which resources may be cached, and for how long.</a:t>
+            </a:r>
+          </a:p>
+          <a:p>
+            <a:r>
+              <a:rPr lang="en-GB" sz="1200" b="0" i="0" kern="1200" dirty="0" smtClean="0">
+                <a:solidFill>
+                  <a:schemeClr val="tx1"/>
+                </a:solidFill>
+                <a:effectLst/>
+                <a:latin typeface="+mn-lt"/>
+                <a:ea typeface="+mn-ea"/>
+                <a:cs typeface="+mn-cs"/>
+              </a:rPr>
+              <a:t> HTTP cache-control headers are used for this purpose.</a:t>
+            </a:r>
             <a:endParaRPr lang="en-US" dirty="0"/>
           </a:p>
         </p:txBody>
@@ -1779,7 +2007,7 @@
           <a:p>
             <a:fld id="{33158343-0BA4-48FF-9BD2-FA9C902FF0A1}" type="slidenum">
               <a:rPr lang="en-GB" smtClean="0"/>
-              <a:t>11</a:t>
+              <a:t>7</a:t>
             </a:fld>
             <a:endParaRPr lang="en-GB"/>
           </a:p>
@@ -1788,7 +2016,7 @@
     </p:spTree>
     <p:extLst>
       <p:ext uri="{BB962C8B-B14F-4D97-AF65-F5344CB8AC3E}">
-        <p14:creationId xmlns:p14="http://schemas.microsoft.com/office/powerpoint/2010/main" val="2828695885"/>
+        <p14:creationId xmlns:p14="http://schemas.microsoft.com/office/powerpoint/2010/main" val="2581460836"/>
       </p:ext>
     </p:extLst>
   </p:cSld>
@@ -1843,163 +2071,60 @@
           <a:lstStyle/>
           <a:p>
             <a:r>
-              <a:rPr lang="en-GB" sz="1200" b="0" i="0" kern="1200" dirty="0" smtClean="0">
-                <a:solidFill>
-                  <a:schemeClr val="tx1"/>
-                </a:solidFill>
-                <a:effectLst/>
-                <a:latin typeface="+mn-lt"/>
-                <a:ea typeface="+mn-ea"/>
-                <a:cs typeface="+mn-cs"/>
-              </a:rPr>
-              <a:t>Note how the URL's "method" part is not called "</a:t>
-            </a:r>
-            <a:r>
-              <a:rPr lang="en-GB" sz="1200" b="0" i="0" kern="1200" dirty="0" err="1" smtClean="0">
-                <a:solidFill>
-                  <a:schemeClr val="tx1"/>
-                </a:solidFill>
-                <a:effectLst/>
-                <a:latin typeface="+mn-lt"/>
-                <a:ea typeface="+mn-ea"/>
-                <a:cs typeface="+mn-cs"/>
-              </a:rPr>
-              <a:t>GetUserDetails</a:t>
-            </a:r>
-            <a:r>
-              <a:rPr lang="en-GB" sz="1200" b="0" i="0" kern="1200" dirty="0" smtClean="0">
-                <a:solidFill>
-                  <a:schemeClr val="tx1"/>
-                </a:solidFill>
-                <a:effectLst/>
-                <a:latin typeface="+mn-lt"/>
-                <a:ea typeface="+mn-ea"/>
-                <a:cs typeface="+mn-cs"/>
-              </a:rPr>
-              <a:t>", but simply "</a:t>
-            </a:r>
-            <a:r>
-              <a:rPr lang="en-GB" sz="1200" b="0" i="0" kern="1200" dirty="0" err="1" smtClean="0">
-                <a:solidFill>
-                  <a:schemeClr val="tx1"/>
-                </a:solidFill>
-                <a:effectLst/>
-                <a:latin typeface="+mn-lt"/>
-                <a:ea typeface="+mn-ea"/>
-                <a:cs typeface="+mn-cs"/>
-              </a:rPr>
-              <a:t>UserDetails</a:t>
-            </a:r>
-            <a:r>
-              <a:rPr lang="en-GB" sz="1200" b="0" i="0" kern="1200" dirty="0" smtClean="0">
-                <a:solidFill>
-                  <a:schemeClr val="tx1"/>
-                </a:solidFill>
-                <a:effectLst/>
-                <a:latin typeface="+mn-lt"/>
-                <a:ea typeface="+mn-ea"/>
-                <a:cs typeface="+mn-cs"/>
-              </a:rPr>
-              <a:t>". It is a common convention in REST design to use </a:t>
-            </a:r>
-            <a:r>
-              <a:rPr lang="en-GB" sz="1200" b="0" i="1" kern="1200" dirty="0" smtClean="0">
-                <a:solidFill>
-                  <a:schemeClr val="tx1"/>
-                </a:solidFill>
-                <a:effectLst/>
-                <a:latin typeface="+mn-lt"/>
-                <a:ea typeface="+mn-ea"/>
-                <a:cs typeface="+mn-cs"/>
-              </a:rPr>
-              <a:t>nouns</a:t>
-            </a:r>
-            <a:r>
-              <a:rPr lang="en-GB" sz="1200" b="0" i="0" kern="1200" dirty="0" smtClean="0">
-                <a:solidFill>
-                  <a:schemeClr val="tx1"/>
-                </a:solidFill>
-                <a:effectLst/>
-                <a:latin typeface="+mn-lt"/>
-                <a:ea typeface="+mn-ea"/>
-                <a:cs typeface="+mn-cs"/>
-              </a:rPr>
-              <a:t> rather than </a:t>
-            </a:r>
-            <a:r>
-              <a:rPr lang="en-GB" sz="1200" b="0" i="1" kern="1200" dirty="0" smtClean="0">
-                <a:solidFill>
-                  <a:schemeClr val="tx1"/>
-                </a:solidFill>
-                <a:effectLst/>
-                <a:latin typeface="+mn-lt"/>
-                <a:ea typeface="+mn-ea"/>
-                <a:cs typeface="+mn-cs"/>
-              </a:rPr>
-              <a:t>verbs</a:t>
-            </a:r>
-            <a:r>
-              <a:rPr lang="en-GB" sz="1200" b="0" i="0" kern="1200" dirty="0" smtClean="0">
-                <a:solidFill>
-                  <a:schemeClr val="tx1"/>
-                </a:solidFill>
-                <a:effectLst/>
-                <a:latin typeface="+mn-lt"/>
-                <a:ea typeface="+mn-ea"/>
-                <a:cs typeface="+mn-cs"/>
-              </a:rPr>
-              <a:t> to denote simple </a:t>
-            </a:r>
-            <a:r>
-              <a:rPr lang="en-GB" sz="1200" b="0" i="1" kern="1200" dirty="0" smtClean="0">
-                <a:solidFill>
-                  <a:schemeClr val="tx1"/>
-                </a:solidFill>
-                <a:effectLst/>
-                <a:latin typeface="+mn-lt"/>
-                <a:ea typeface="+mn-ea"/>
-                <a:cs typeface="+mn-cs"/>
-              </a:rPr>
-              <a:t>resources</a:t>
-            </a:r>
-            <a:r>
-              <a:rPr lang="en-GB" sz="1200" b="0" i="0" kern="1200" dirty="0" smtClean="0">
-                <a:solidFill>
-                  <a:schemeClr val="tx1"/>
-                </a:solidFill>
-                <a:effectLst/>
-                <a:latin typeface="+mn-lt"/>
-                <a:ea typeface="+mn-ea"/>
-                <a:cs typeface="+mn-cs"/>
-              </a:rPr>
-              <a:t>.</a:t>
-            </a:r>
-          </a:p>
-          <a:p>
-            <a:r>
-              <a:rPr lang="en-GB" sz="1200" b="0" i="0" kern="1200" dirty="0" smtClean="0">
-                <a:solidFill>
-                  <a:schemeClr val="tx1"/>
-                </a:solidFill>
-                <a:effectLst/>
-                <a:latin typeface="+mn-lt"/>
-                <a:ea typeface="+mn-ea"/>
-                <a:cs typeface="+mn-cs"/>
-              </a:rPr>
-              <a:t>Letter - postcard analogy.</a:t>
-            </a:r>
-            <a:r>
-              <a:rPr lang="en-GB" sz="1200" b="0" i="0" kern="1200" baseline="0" dirty="0" smtClean="0">
-                <a:solidFill>
-                  <a:schemeClr val="tx1"/>
-                </a:solidFill>
-                <a:effectLst/>
-                <a:latin typeface="+mn-lt"/>
-                <a:ea typeface="+mn-ea"/>
-                <a:cs typeface="+mn-cs"/>
-              </a:rPr>
-              <a:t> No, body. Less bandwidth, easier to read</a:t>
-            </a:r>
+              <a:rPr lang="en-US" dirty="0" smtClean="0"/>
+              <a:t>SOAP is tied</a:t>
+            </a:r>
+            <a:r>
+              <a:rPr lang="en-US" baseline="0" dirty="0" smtClean="0"/>
+              <a:t> to XML</a:t>
+            </a:r>
+          </a:p>
+          <a:p>
+            <a:r>
+              <a:rPr lang="en-US" baseline="0" dirty="0" smtClean="0"/>
+              <a:t>XML type </a:t>
+            </a:r>
+            <a:r>
+              <a:rPr lang="en-US" baseline="0" dirty="0" err="1" smtClean="0"/>
+              <a:t>safty</a:t>
+            </a:r>
+            <a:endParaRPr lang="en-US" baseline="0" dirty="0" smtClean="0"/>
+          </a:p>
+          <a:p>
+            <a:r>
+              <a:rPr lang="en-US" baseline="0" dirty="0" smtClean="0"/>
+              <a:t>CSV is compact</a:t>
+            </a:r>
+          </a:p>
+          <a:p>
+            <a:r>
+              <a:rPr lang="en-US" baseline="0" dirty="0" smtClean="0"/>
+              <a:t>JSON most trivial to parse (directly supported as a </a:t>
+            </a:r>
+            <a:r>
+              <a:rPr lang="en-US" baseline="0" dirty="0" err="1" smtClean="0"/>
+              <a:t>javascript</a:t>
+            </a:r>
+            <a:r>
+              <a:rPr lang="en-US" baseline="0" dirty="0" smtClean="0"/>
+              <a:t> </a:t>
+            </a:r>
+            <a:r>
+              <a:rPr lang="en-US" baseline="0" dirty="0" err="1" smtClean="0"/>
+              <a:t>datastructure</a:t>
+            </a:r>
+            <a:r>
+              <a:rPr lang="en-US" baseline="0" dirty="0" smtClean="0"/>
+              <a:t>)</a:t>
+            </a:r>
+          </a:p>
+          <a:p>
+            <a:r>
+              <a:rPr lang="en-US" baseline="0" dirty="0" smtClean="0"/>
+              <a:t>The transfer should not contain presentation data</a:t>
+            </a:r>
+          </a:p>
+          <a:p>
             <a:endParaRPr lang="en-US" dirty="0"/>
           </a:p>
         </p:txBody>
@@ -2021,7 +2146,7 @@
           <a:p>
             <a:fld id="{33158343-0BA4-48FF-9BD2-FA9C902FF0A1}" type="slidenum">
               <a:rPr lang="en-GB" smtClean="0"/>
-              <a:t>14</a:t>
+              <a:t>11</a:t>
             </a:fld>
             <a:endParaRPr lang="en-GB"/>
           </a:p>
@@ -2030,7 +2155,7 @@
     </p:spTree>
     <p:extLst>
       <p:ext uri="{BB962C8B-B14F-4D97-AF65-F5344CB8AC3E}">
-        <p14:creationId xmlns:p14="http://schemas.microsoft.com/office/powerpoint/2010/main" val="78653581"/>
+        <p14:creationId xmlns:p14="http://schemas.microsoft.com/office/powerpoint/2010/main" val="2828695885"/>
       </p:ext>
     </p:extLst>
   </p:cSld>
@@ -2263,7 +2388,7 @@
           <a:p>
             <a:fld id="{33158343-0BA4-48FF-9BD2-FA9C902FF0A1}" type="slidenum">
               <a:rPr lang="en-GB" smtClean="0"/>
-              <a:t>15</a:t>
+              <a:t>14</a:t>
             </a:fld>
             <a:endParaRPr lang="en-GB"/>
           </a:p>
@@ -2272,7 +2397,7 @@
     </p:spTree>
     <p:extLst>
       <p:ext uri="{BB962C8B-B14F-4D97-AF65-F5344CB8AC3E}">
-        <p14:creationId xmlns:p14="http://schemas.microsoft.com/office/powerpoint/2010/main" val="1945893638"/>
+        <p14:creationId xmlns:p14="http://schemas.microsoft.com/office/powerpoint/2010/main" val="78653581"/>
       </p:ext>
     </p:extLst>
   </p:cSld>
@@ -2505,7 +2630,7 @@
           <a:p>
             <a:fld id="{33158343-0BA4-48FF-9BD2-FA9C902FF0A1}" type="slidenum">
               <a:rPr lang="en-GB" smtClean="0"/>
-              <a:t>16</a:t>
+              <a:t>15</a:t>
             </a:fld>
             <a:endParaRPr lang="en-GB"/>
           </a:p>
@@ -2514,7 +2639,7 @@
     </p:spTree>
     <p:extLst>
       <p:ext uri="{BB962C8B-B14F-4D97-AF65-F5344CB8AC3E}">
-        <p14:creationId xmlns:p14="http://schemas.microsoft.com/office/powerpoint/2010/main" val="283298063"/>
+        <p14:creationId xmlns:p14="http://schemas.microsoft.com/office/powerpoint/2010/main" val="1945893638"/>
       </p:ext>
     </p:extLst>
   </p:cSld>
@@ -2747,7 +2872,7 @@
           <a:p>
             <a:fld id="{33158343-0BA4-48FF-9BD2-FA9C902FF0A1}" type="slidenum">
               <a:rPr lang="en-GB" smtClean="0"/>
-              <a:t>17</a:t>
+              <a:t>16</a:t>
             </a:fld>
             <a:endParaRPr lang="en-GB"/>
           </a:p>
@@ -2756,7 +2881,7 @@
     </p:spTree>
     <p:extLst>
       <p:ext uri="{BB962C8B-B14F-4D97-AF65-F5344CB8AC3E}">
-        <p14:creationId xmlns:p14="http://schemas.microsoft.com/office/powerpoint/2010/main" val="1259012492"/>
+        <p14:creationId xmlns:p14="http://schemas.microsoft.com/office/powerpoint/2010/main" val="283298063"/>
       </p:ext>
     </p:extLst>
   </p:cSld>
@@ -10470,13 +10595,13 @@
   <p:clrMapOvr>
     <a:masterClrMapping/>
   </p:clrMapOvr>
-  <mc:AlternateContent xmlns:mc="http://schemas.openxmlformats.org/markup-compatibility/2006">
-    <mc:Choice xmlns:p14="http://schemas.microsoft.com/office/powerpoint/2010/main" Requires="p14">
+  <mc:AlternateContent xmlns:mc="http://schemas.openxmlformats.org/markup-compatibility/2006" xmlns:p14="http://schemas.microsoft.com/office/powerpoint/2010/main">
+    <mc:Choice Requires="p14">
       <p:transition spd="slow" p14:dur="3400">
         <p14:reveal/>
       </p:transition>
     </mc:Choice>
-    <mc:Fallback>
+    <mc:Fallback xmlns="">
       <p:transition spd="slow">
         <p:fade/>
       </p:transition>
@@ -10905,7 +11030,7 @@
           <a:p>
             <a:r>
               <a:rPr lang="en-US" dirty="0" smtClean="0"/>
-              <a:t>CRUD</a:t>
+              <a:t>REST vs SOAP</a:t>
             </a:r>
             <a:endParaRPr lang="en-US" dirty="0"/>
           </a:p>
@@ -10928,26 +11053,32 @@
           <a:p>
             <a:r>
               <a:rPr lang="en-US" dirty="0" smtClean="0"/>
-              <a:t>Use POST for creating new resources on the server</a:t>
-            </a:r>
+              <a:t>Much lighter </a:t>
+            </a:r>
+            <a:r>
+              <a:rPr lang="en-US" dirty="0" smtClean="0">
+                <a:hlinkClick r:id="rId2" action="ppaction://hlinksldjump"/>
+              </a:rPr>
+              <a:t>()</a:t>
+            </a:r>
+            <a:endParaRPr lang="en-US" dirty="0" smtClean="0"/>
           </a:p>
           <a:p>
             <a:r>
               <a:rPr lang="en-US" dirty="0" smtClean="0"/>
-              <a:t>Use PUT for updating or change the state for a resource on the server</a:t>
+              <a:t>Easier to parse requests/responses</a:t>
             </a:r>
           </a:p>
           <a:p>
             <a:r>
               <a:rPr lang="en-US" dirty="0" smtClean="0"/>
-              <a:t>Use GET for getting a resource, or a list of resources</a:t>
-            </a:r>
-          </a:p>
-          <a:p>
-            <a:r>
-              <a:rPr lang="en-US" dirty="0" smtClean="0"/>
-              <a:t>Use delete for deleting resources</a:t>
-            </a:r>
+              <a:t>Uses less bandwidth</a:t>
+            </a:r>
+          </a:p>
+          <a:p>
+            <a:endParaRPr lang="en-US" dirty="0" smtClean="0"/>
+          </a:p>
+          <a:p>
             <a:endParaRPr lang="en-US" dirty="0"/>
           </a:p>
         </p:txBody>
@@ -10955,7 +11086,7 @@
     </p:spTree>
     <p:extLst>
       <p:ext uri="{BB962C8B-B14F-4D97-AF65-F5344CB8AC3E}">
-        <p14:creationId xmlns:p14="http://schemas.microsoft.com/office/powerpoint/2010/main" val="4287242104"/>
+        <p14:creationId xmlns:p14="http://schemas.microsoft.com/office/powerpoint/2010/main" val="1412522190"/>
       </p:ext>
     </p:extLst>
   </p:cSld>
@@ -11050,12 +11181,12 @@
               <a:t>HTML should not be used (</a:t>
             </a:r>
             <a:r>
-              <a:rPr lang="en-US" dirty="0" err="1" smtClean="0"/>
-              <a:t>ment</a:t>
-            </a:r>
-            <a:r>
               <a:rPr lang="en-US" dirty="0" smtClean="0"/>
-              <a:t> for human </a:t>
+              <a:t>meant </a:t>
+            </a:r>
+            <a:r>
+              <a:rPr lang="en-US" dirty="0" smtClean="0"/>
+              <a:t>for human </a:t>
             </a:r>
             <a:r>
               <a:rPr lang="en-GB" dirty="0" smtClean="0"/>
@@ -12402,7 +12533,6 @@
               <a:rPr lang="en-US" dirty="0" smtClean="0"/>
               <a:t>Start Chrome</a:t>
             </a:r>
-            <a:endParaRPr lang="en-US" dirty="0" smtClean="0"/>
           </a:p>
           <a:p>
             <a:r>
@@ -13115,13 +13245,13 @@
   <p:clrMapOvr>
     <a:masterClrMapping/>
   </p:clrMapOvr>
-  <mc:AlternateContent xmlns:mc="http://schemas.openxmlformats.org/markup-compatibility/2006">
-    <mc:Choice xmlns:p14="http://schemas.microsoft.com/office/powerpoint/2010/main" Requires="p14">
+  <mc:AlternateContent xmlns:mc="http://schemas.openxmlformats.org/markup-compatibility/2006" xmlns:p14="http://schemas.microsoft.com/office/powerpoint/2010/main">
+    <mc:Choice Requires="p14">
       <p:transition spd="slow" p14:dur="1500">
         <p:split orient="vert"/>
       </p:transition>
     </mc:Choice>
-    <mc:Fallback>
+    <mc:Fallback xmlns="">
       <p:transition spd="slow">
         <p:split orient="vert"/>
       </p:transition>
@@ -13981,11 +14111,15 @@
             </a:r>
             <a:r>
               <a:rPr lang="nb-NO" dirty="0" err="1" smtClean="0"/>
-              <a:t>better</a:t>
+              <a:t>build</a:t>
             </a:r>
             <a:r>
               <a:rPr lang="nb-NO" dirty="0" smtClean="0"/>
-              <a:t> support for </a:t>
+              <a:t> in support </a:t>
+            </a:r>
+            <a:r>
+              <a:rPr lang="nb-NO" dirty="0" smtClean="0"/>
+              <a:t>for </a:t>
             </a:r>
             <a:r>
               <a:rPr lang="nb-NO" dirty="0" err="1" smtClean="0"/>
@@ -14160,25 +14294,53 @@
                 <a:latin typeface="Courier New" panose="02070309020205020404" pitchFamily="49" charset="0"/>
                 <a:cs typeface="Courier New" panose="02070309020205020404" pitchFamily="49" charset="0"/>
               </a:rPr>
-              <a:t>  person :</a:t>
-            </a:r>
-          </a:p>
-          <a:p>
+              <a:t>  </a:t>
+            </a:r>
             <a:r>
               <a:rPr lang="en-GB" sz="1400" dirty="0" smtClean="0">
                 <a:latin typeface="Courier New" panose="02070309020205020404" pitchFamily="49" charset="0"/>
                 <a:cs typeface="Courier New" panose="02070309020205020404" pitchFamily="49" charset="0"/>
               </a:rPr>
-              <a:t>   {</a:t>
-            </a:r>
-          </a:p>
-          <a:p>
+              <a:t>person </a:t>
+            </a:r>
             <a:r>
               <a:rPr lang="en-GB" sz="1400" dirty="0" smtClean="0">
                 <a:latin typeface="Courier New" panose="02070309020205020404" pitchFamily="49" charset="0"/>
                 <a:cs typeface="Courier New" panose="02070309020205020404" pitchFamily="49" charset="0"/>
               </a:rPr>
-              <a:t>     name: "</a:t>
+              <a:t>:</a:t>
+            </a:r>
+          </a:p>
+          <a:p>
+            <a:r>
+              <a:rPr lang="en-GB" sz="1400" dirty="0" smtClean="0">
+                <a:latin typeface="Courier New" panose="02070309020205020404" pitchFamily="49" charset="0"/>
+                <a:cs typeface="Courier New" panose="02070309020205020404" pitchFamily="49" charset="0"/>
+              </a:rPr>
+              <a:t>   {</a:t>
+            </a:r>
+          </a:p>
+          <a:p>
+            <a:r>
+              <a:rPr lang="en-GB" sz="1400" dirty="0" smtClean="0">
+                <a:latin typeface="Courier New" panose="02070309020205020404" pitchFamily="49" charset="0"/>
+                <a:cs typeface="Courier New" panose="02070309020205020404" pitchFamily="49" charset="0"/>
+              </a:rPr>
+              <a:t>     </a:t>
+            </a:r>
+            <a:r>
+              <a:rPr lang="en-GB" sz="1400" dirty="0" smtClean="0">
+                <a:latin typeface="Courier New" panose="02070309020205020404" pitchFamily="49" charset="0"/>
+                <a:cs typeface="Courier New" panose="02070309020205020404" pitchFamily="49" charset="0"/>
+              </a:rPr>
+              <a:t>name: </a:t>
+            </a:r>
+            <a:r>
+              <a:rPr lang="en-GB" sz="1400" dirty="0" smtClean="0">
+                <a:latin typeface="Courier New" panose="02070309020205020404" pitchFamily="49" charset="0"/>
+                <a:cs typeface="Courier New" panose="02070309020205020404" pitchFamily="49" charset="0"/>
+              </a:rPr>
+              <a:t>"</a:t>
             </a:r>
             <a:r>
               <a:rPr lang="en-GB" sz="1400" dirty="0" err="1" smtClean="0">
@@ -14201,24 +14363,38 @@
                 <a:latin typeface="Courier New" panose="02070309020205020404" pitchFamily="49" charset="0"/>
                 <a:cs typeface="Courier New" panose="02070309020205020404" pitchFamily="49" charset="0"/>
               </a:rPr>
-              <a:t>     age: 36,</a:t>
-            </a:r>
-          </a:p>
-          <a:p>
+              <a:t>     </a:t>
+            </a:r>
             <a:r>
               <a:rPr lang="en-GB" sz="1400" dirty="0" smtClean="0">
                 <a:latin typeface="Courier New" panose="02070309020205020404" pitchFamily="49" charset="0"/>
                 <a:cs typeface="Courier New" panose="02070309020205020404" pitchFamily="49" charset="0"/>
               </a:rPr>
-              <a:t>   },</a:t>
-            </a:r>
-          </a:p>
-          <a:p>
+              <a:t>age: </a:t>
+            </a:r>
             <a:r>
               <a:rPr lang="en-GB" sz="1400" dirty="0" smtClean="0">
                 <a:latin typeface="Courier New" panose="02070309020205020404" pitchFamily="49" charset="0"/>
                 <a:cs typeface="Courier New" panose="02070309020205020404" pitchFamily="49" charset="0"/>
               </a:rPr>
+              <a:t>36,</a:t>
+            </a:r>
+          </a:p>
+          <a:p>
+            <a:r>
+              <a:rPr lang="en-GB" sz="1400" dirty="0" smtClean="0">
+                <a:latin typeface="Courier New" panose="02070309020205020404" pitchFamily="49" charset="0"/>
+                <a:cs typeface="Courier New" panose="02070309020205020404" pitchFamily="49" charset="0"/>
+              </a:rPr>
+              <a:t>   },</a:t>
+            </a:r>
+          </a:p>
+          <a:p>
+            <a:r>
+              <a:rPr lang="en-GB" sz="1400" dirty="0" smtClean="0">
+                <a:latin typeface="Courier New" panose="02070309020205020404" pitchFamily="49" charset="0"/>
+                <a:cs typeface="Courier New" panose="02070309020205020404" pitchFamily="49" charset="0"/>
+              </a:rPr>
               <a:t>   </a:t>
             </a:r>
             <a:r>
@@ -14233,7 +14409,14 @@
                 <a:latin typeface="Courier New" panose="02070309020205020404" pitchFamily="49" charset="0"/>
                 <a:cs typeface="Courier New" panose="02070309020205020404" pitchFamily="49" charset="0"/>
               </a:rPr>
-              <a:t>: "dark"</a:t>
+              <a:t>: </a:t>
+            </a:r>
+            <a:r>
+              <a:rPr lang="en-GB" sz="1400" dirty="0" smtClean="0">
+                <a:latin typeface="Courier New" panose="02070309020205020404" pitchFamily="49" charset="0"/>
+                <a:cs typeface="Courier New" panose="02070309020205020404" pitchFamily="49" charset="0"/>
+              </a:rPr>
+              <a:t>"dark"</a:t>
             </a:r>
           </a:p>
           <a:p>
@@ -14264,9 +14447,88 @@
   <p:timing>
     <p:tnLst>
       <p:par>
-        <p:cTn id="1" dur="indefinite" restart="never" nodeType="tmRoot"/>
+        <p:cTn id="1" dur="indefinite" restart="never" nodeType="tmRoot">
+          <p:childTnLst>
+            <p:seq concurrent="1" nextAc="seek">
+              <p:cTn id="2" dur="indefinite" nodeType="mainSeq">
+                <p:childTnLst>
+                  <p:par>
+                    <p:cTn id="3" fill="hold">
+                      <p:stCondLst>
+                        <p:cond delay="indefinite"/>
+                      </p:stCondLst>
+                      <p:childTnLst>
+                        <p:par>
+                          <p:cTn id="4" fill="hold">
+                            <p:stCondLst>
+                              <p:cond delay="0"/>
+                            </p:stCondLst>
+                            <p:childTnLst>
+                              <p:par>
+                                <p:cTn id="5" presetID="10" presetClass="entr" presetSubtype="0" fill="hold" grpId="0" nodeType="clickEffect">
+                                  <p:stCondLst>
+                                    <p:cond delay="0"/>
+                                  </p:stCondLst>
+                                  <p:childTnLst>
+                                    <p:set>
+                                      <p:cBhvr>
+                                        <p:cTn id="6" dur="1" fill="hold">
+                                          <p:stCondLst>
+                                            <p:cond delay="0"/>
+                                          </p:stCondLst>
+                                        </p:cTn>
+                                        <p:tgtEl>
+                                          <p:spTgt spid="4"/>
+                                        </p:tgtEl>
+                                        <p:attrNameLst>
+                                          <p:attrName>style.visibility</p:attrName>
+                                        </p:attrNameLst>
+                                      </p:cBhvr>
+                                      <p:to>
+                                        <p:strVal val="visible"/>
+                                      </p:to>
+                                    </p:set>
+                                    <p:animEffect transition="in" filter="fade">
+                                      <p:cBhvr>
+                                        <p:cTn id="7" dur="500"/>
+                                        <p:tgtEl>
+                                          <p:spTgt spid="4"/>
+                                        </p:tgtEl>
+                                      </p:cBhvr>
+                                    </p:animEffect>
+                                  </p:childTnLst>
+                                </p:cTn>
+                              </p:par>
+                            </p:childTnLst>
+                          </p:cTn>
+                        </p:par>
+                      </p:childTnLst>
+                    </p:cTn>
+                  </p:par>
+                </p:childTnLst>
+              </p:cTn>
+              <p:prevCondLst>
+                <p:cond evt="onPrev" delay="0">
+                  <p:tgtEl>
+                    <p:sldTgt/>
+                  </p:tgtEl>
+                </p:cond>
+              </p:prevCondLst>
+              <p:nextCondLst>
+                <p:cond evt="onNext" delay="0">
+                  <p:tgtEl>
+                    <p:sldTgt/>
+                  </p:tgtEl>
+                </p:cond>
+              </p:nextCondLst>
+            </p:seq>
+          </p:childTnLst>
+        </p:cTn>
       </p:par>
     </p:tnLst>
+    <p:bldLst>
+      <p:bldP spid="4" grpId="0"/>
+    </p:bldLst>
   </p:timing>
 </p:sld>
 </file>
@@ -14325,7 +14587,12 @@
             <p:ph idx="1"/>
           </p:nvPr>
         </p:nvSpPr>
-        <p:spPr/>
+        <p:spPr>
+          <a:xfrm>
+            <a:off x="680321" y="2323426"/>
+            <a:ext cx="9613861" cy="3599316"/>
+          </a:xfrm>
+        </p:spPr>
         <p:txBody>
           <a:bodyPr/>
           <a:lstStyle/>
@@ -14386,7 +14653,11 @@
             </a:r>
             <a:r>
               <a:rPr lang="en-GB" dirty="0" smtClean="0"/>
-              <a:t>standard, its more a like a design </a:t>
+              <a:t>standard”, </a:t>
+            </a:r>
+            <a:r>
+              <a:rPr lang="en-GB" dirty="0" smtClean="0"/>
+              <a:t>its more a like a design </a:t>
             </a:r>
             <a:r>
               <a:rPr lang="en-GB" dirty="0"/>
@@ -14462,7 +14733,11 @@
           <a:p>
             <a:r>
               <a:rPr lang="en-US" dirty="0" smtClean="0"/>
-              <a:t>Designing distributed network applications</a:t>
+              <a:t>Designing distributed </a:t>
+            </a:r>
+            <a:r>
+              <a:rPr lang="en-US" dirty="0" smtClean="0"/>
+              <a:t>applications</a:t>
             </a:r>
             <a:endParaRPr lang="en-US" dirty="0"/>
           </a:p>
@@ -14484,12 +14759,27 @@
           <a:lstStyle/>
           <a:p>
             <a:r>
+              <a:rPr lang="en-US" dirty="0"/>
+              <a:t>Client </a:t>
+            </a:r>
+            <a:r>
+              <a:rPr lang="en-US" dirty="0" smtClean="0"/>
+              <a:t>server</a:t>
+            </a:r>
+            <a:endParaRPr lang="en-US" dirty="0" smtClean="0"/>
+          </a:p>
+          <a:p>
+            <a:r>
               <a:rPr lang="en-US" dirty="0" err="1" smtClean="0"/>
               <a:t>Hetrogeneous</a:t>
             </a:r>
             <a:r>
               <a:rPr lang="en-US" dirty="0" smtClean="0"/>
-              <a:t> Interoperability </a:t>
+              <a:t> </a:t>
+            </a:r>
+            <a:r>
+              <a:rPr lang="en-US" dirty="0" smtClean="0"/>
+              <a:t>Interoperability </a:t>
             </a:r>
             <a:r>
               <a:rPr lang="en-US" dirty="0" smtClean="0">
@@ -14502,14 +14792,15 @@
           <a:p>
             <a:r>
               <a:rPr lang="en-US" dirty="0" smtClean="0"/>
-              <a:t>Stateless ()</a:t>
-            </a:r>
-          </a:p>
-          <a:p>
-            <a:r>
-              <a:rPr lang="en-US" dirty="0" smtClean="0"/>
-              <a:t>Client server</a:t>
-            </a:r>
+              <a:t>Stateless </a:t>
+            </a:r>
+            <a:r>
+              <a:rPr lang="en-US" dirty="0" smtClean="0">
+                <a:hlinkClick r:id="rId4" action="ppaction://hlinksldjump"/>
+              </a:rPr>
+              <a:t>()</a:t>
+            </a:r>
+            <a:endParaRPr lang="en-US" dirty="0" smtClean="0"/>
           </a:p>
           <a:p>
             <a:r>
@@ -14576,8 +14867,12 @@
           <a:lstStyle/>
           <a:p>
             <a:r>
-              <a:rPr lang="en-US" dirty="0" smtClean="0"/>
-              <a:t>REST vs SOAP</a:t>
+              <a:rPr lang="en-GB" dirty="0"/>
+              <a:t>RESTful </a:t>
+            </a:r>
+            <a:r>
+              <a:rPr lang="en-GB" dirty="0" smtClean="0"/>
+              <a:t>application over HTTP</a:t>
             </a:r>
             <a:endParaRPr lang="en-US" dirty="0"/>
           </a:p>
@@ -14600,27 +14895,53 @@
           <a:p>
             <a:r>
               <a:rPr lang="en-US" dirty="0" smtClean="0"/>
-              <a:t>Much lighter </a:t>
-            </a:r>
-            <a:r>
-              <a:rPr lang="en-US" dirty="0" smtClean="0">
-                <a:hlinkClick r:id="rId2" action="ppaction://hlinksldjump"/>
-              </a:rPr>
-              <a:t>()</a:t>
-            </a:r>
+              <a:t>HTTP requests to do CRUD operations</a:t>
+            </a:r>
+          </a:p>
+          <a:p>
+            <a:pPr lvl="1"/>
+            <a:r>
+              <a:rPr lang="en-US" dirty="0"/>
+              <a:t>B</a:t>
+            </a:r>
+            <a:r>
+              <a:rPr lang="en-US" dirty="0" smtClean="0"/>
+              <a:t>uild in HTTP methods </a:t>
+            </a:r>
+          </a:p>
+          <a:p>
+            <a:r>
+              <a:rPr lang="en-US" dirty="0" smtClean="0"/>
+              <a:t>Build in response codes</a:t>
+            </a:r>
+          </a:p>
+          <a:p>
+            <a:r>
+              <a:rPr lang="en-US" dirty="0" smtClean="0"/>
+              <a:t>REST itself has no build in security features</a:t>
+            </a:r>
+          </a:p>
+          <a:p>
+            <a:pPr lvl="1"/>
+            <a:r>
+              <a:rPr lang="en-US" dirty="0" smtClean="0"/>
+              <a:t>Authentication is often done via username/password tokens (http header)</a:t>
+            </a:r>
+          </a:p>
+          <a:p>
+            <a:pPr lvl="1"/>
+            <a:r>
+              <a:rPr lang="en-US" dirty="0" smtClean="0"/>
+              <a:t>Encryption is done over HTTPS</a:t>
+            </a:r>
+          </a:p>
+          <a:p>
+            <a:pPr lvl="1"/>
             <a:endParaRPr lang="en-US" dirty="0" smtClean="0"/>
           </a:p>
           <a:p>
-            <a:r>
-              <a:rPr lang="en-US" dirty="0" smtClean="0"/>
-              <a:t>Easier to parse requests/responses</a:t>
-            </a:r>
-          </a:p>
-          <a:p>
-            <a:r>
-              <a:rPr lang="en-US" dirty="0" smtClean="0"/>
-              <a:t>Uses less bandwidth</a:t>
-            </a:r>
+            <a:pPr lvl="1"/>
+            <a:endParaRPr lang="en-US" dirty="0" smtClean="0"/>
           </a:p>
           <a:p>
             <a:endParaRPr lang="en-US" dirty="0" smtClean="0"/>
@@ -14633,7 +14954,7 @@
     </p:spTree>
     <p:extLst>
       <p:ext uri="{BB962C8B-B14F-4D97-AF65-F5344CB8AC3E}">
-        <p14:creationId xmlns:p14="http://schemas.microsoft.com/office/powerpoint/2010/main" val="1412522190"/>
+        <p14:creationId xmlns:p14="http://schemas.microsoft.com/office/powerpoint/2010/main" val="983624682"/>
       </p:ext>
     </p:extLst>
   </p:cSld>
@@ -14683,12 +15004,8 @@
           <a:lstStyle/>
           <a:p>
             <a:r>
-              <a:rPr lang="en-GB" dirty="0"/>
-              <a:t>RESTful </a:t>
-            </a:r>
-            <a:r>
-              <a:rPr lang="en-GB" dirty="0" smtClean="0"/>
-              <a:t>application over HTTP</a:t>
+              <a:rPr lang="en-US" dirty="0" smtClean="0"/>
+              <a:t>CRUD</a:t>
             </a:r>
             <a:endParaRPr lang="en-US" dirty="0"/>
           </a:p>
@@ -14711,58 +15028,34 @@
           <a:p>
             <a:r>
               <a:rPr lang="en-US" dirty="0" smtClean="0"/>
-              <a:t>HTTP requests to do CRUD operations</a:t>
-            </a:r>
-          </a:p>
-          <a:p>
-            <a:pPr lvl="1"/>
-            <a:r>
-              <a:rPr lang="en-US" dirty="0"/>
-              <a:t>B</a:t>
-            </a:r>
+              <a:t>Use POST for creating new resources on the server</a:t>
+            </a:r>
+          </a:p>
+          <a:p>
             <a:r>
               <a:rPr lang="en-US" dirty="0" smtClean="0"/>
-              <a:t>uild in HTTP methods </a:t>
+              <a:t>Use PUT for updating or change the state for a resource on the server</a:t>
             </a:r>
           </a:p>
           <a:p>
             <a:r>
               <a:rPr lang="en-US" dirty="0" smtClean="0"/>
-              <a:t>Build in response codes</a:t>
+              <a:t>Use GET for getting a resource, or a list of resources</a:t>
             </a:r>
           </a:p>
           <a:p>
             <a:r>
               <a:rPr lang="en-US" dirty="0" smtClean="0"/>
-              <a:t>REST itself has no build in security features</a:t>
-            </a:r>
-          </a:p>
-          <a:p>
-            <a:pPr lvl="1"/>
+              <a:t>Use </a:t>
+            </a:r>
             <a:r>
               <a:rPr lang="en-US" dirty="0" smtClean="0"/>
-              <a:t>Authentication is often done via username/password tokens (http header)</a:t>
-            </a:r>
-          </a:p>
-          <a:p>
-            <a:pPr lvl="1"/>
+              <a:t>DELETE for </a:t>
+            </a:r>
             <a:r>
               <a:rPr lang="en-US" dirty="0" smtClean="0"/>
-              <a:t>Encryption is done over HTTPS</a:t>
-            </a:r>
-          </a:p>
-          <a:p>
-            <a:pPr lvl="1"/>
-            <a:endParaRPr lang="en-US" dirty="0" smtClean="0"/>
-          </a:p>
-          <a:p>
-            <a:pPr lvl="1"/>
-            <a:endParaRPr lang="en-US" dirty="0" smtClean="0"/>
-          </a:p>
-          <a:p>
-            <a:endParaRPr lang="en-US" dirty="0" smtClean="0"/>
-          </a:p>
-          <a:p>
+              <a:t>deleting resources</a:t>
+            </a:r>
             <a:endParaRPr lang="en-US" dirty="0"/>
           </a:p>
         </p:txBody>
@@ -14770,7 +15063,7 @@
     </p:spTree>
     <p:extLst>
       <p:ext uri="{BB962C8B-B14F-4D97-AF65-F5344CB8AC3E}">
-        <p14:creationId xmlns:p14="http://schemas.microsoft.com/office/powerpoint/2010/main" val="983624682"/>
+        <p14:creationId xmlns:p14="http://schemas.microsoft.com/office/powerpoint/2010/main" val="4287242104"/>
       </p:ext>
     </p:extLst>
   </p:cSld>
